--- a/Module 13 Multiple Linear Regression/Multiple Linear Regression Lecturer 2024 .pptx
+++ b/Module 13 Multiple Linear Regression/Multiple Linear Regression Lecturer 2024 .pptx
@@ -5,10 +5,10 @@
     <p:sldMasterId id="2147483855" r:id="rId1"/>
   </p:sldMasterIdLst>
   <p:notesMasterIdLst>
-    <p:notesMasterId r:id="rId11"/>
+    <p:notesMasterId r:id="rId15"/>
   </p:notesMasterIdLst>
   <p:handoutMasterIdLst>
-    <p:handoutMasterId r:id="rId12"/>
+    <p:handoutMasterId r:id="rId16"/>
   </p:handoutMasterIdLst>
   <p:sldIdLst>
     <p:sldId id="256" r:id="rId2"/>
@@ -17,9 +17,13 @@
     <p:sldId id="340" r:id="rId5"/>
     <p:sldId id="341" r:id="rId6"/>
     <p:sldId id="343" r:id="rId7"/>
-    <p:sldId id="342" r:id="rId8"/>
-    <p:sldId id="345" r:id="rId9"/>
-    <p:sldId id="344" r:id="rId10"/>
+    <p:sldId id="347" r:id="rId8"/>
+    <p:sldId id="342" r:id="rId9"/>
+    <p:sldId id="345" r:id="rId10"/>
+    <p:sldId id="344" r:id="rId11"/>
+    <p:sldId id="346" r:id="rId12"/>
+    <p:sldId id="348" r:id="rId13"/>
+    <p:sldId id="349" r:id="rId14"/>
   </p:sldIdLst>
   <p:sldSz cx="12192000" cy="6858000"/>
   <p:notesSz cx="7315200" cy="9601200"/>
@@ -10748,10 +10752,33 @@
   <pc:docChgLst>
     <pc:chgData name="Pablo Esteban Gutiérrez-Fonseca (he/him)" userId="25bdc618-995f-415b-9b28-31563f05eb38" providerId="ADAL" clId="{7D9C72EA-3835-4851-B556-7D2600718D23}"/>
     <pc:docChg chg="undo custSel addSld delSld modSld">
-      <pc:chgData name="Pablo Esteban Gutiérrez-Fonseca (he/him)" userId="25bdc618-995f-415b-9b28-31563f05eb38" providerId="ADAL" clId="{7D9C72EA-3835-4851-B556-7D2600718D23}" dt="2024-11-18T19:22:24.776" v="204" actId="108"/>
+      <pc:chgData name="Pablo Esteban Gutiérrez-Fonseca (he/him)" userId="25bdc618-995f-415b-9b28-31563f05eb38" providerId="ADAL" clId="{7D9C72EA-3835-4851-B556-7D2600718D23}" dt="2024-11-19T15:13:46.480" v="342" actId="20577"/>
       <pc:docMkLst>
         <pc:docMk/>
       </pc:docMkLst>
+      <pc:sldChg chg="addSp modSp mod modAnim">
+        <pc:chgData name="Pablo Esteban Gutiérrez-Fonseca (he/him)" userId="25bdc618-995f-415b-9b28-31563f05eb38" providerId="ADAL" clId="{7D9C72EA-3835-4851-B556-7D2600718D23}" dt="2024-11-19T13:48:08.064" v="215" actId="20577"/>
+        <pc:sldMkLst>
+          <pc:docMk/>
+          <pc:sldMk cId="452531698" sldId="338"/>
+        </pc:sldMkLst>
+        <pc:spChg chg="add mod">
+          <ac:chgData name="Pablo Esteban Gutiérrez-Fonseca (he/him)" userId="25bdc618-995f-415b-9b28-31563f05eb38" providerId="ADAL" clId="{7D9C72EA-3835-4851-B556-7D2600718D23}" dt="2024-11-19T13:48:08.064" v="215" actId="20577"/>
+          <ac:spMkLst>
+            <pc:docMk/>
+            <pc:sldMk cId="452531698" sldId="338"/>
+            <ac:spMk id="8" creationId="{F8C2CF70-03B1-3758-E05E-BB1654C2F53B}"/>
+          </ac:spMkLst>
+        </pc:spChg>
+        <pc:cxnChg chg="add mod">
+          <ac:chgData name="Pablo Esteban Gutiérrez-Fonseca (he/him)" userId="25bdc618-995f-415b-9b28-31563f05eb38" providerId="ADAL" clId="{7D9C72EA-3835-4851-B556-7D2600718D23}" dt="2024-11-19T13:48:04.699" v="207" actId="14100"/>
+          <ac:cxnSpMkLst>
+            <pc:docMk/>
+            <pc:sldMk cId="452531698" sldId="338"/>
+            <ac:cxnSpMk id="10" creationId="{D66C3A1C-3005-B0EA-2955-503C5CDB8557}"/>
+          </ac:cxnSpMkLst>
+        </pc:cxnChg>
+      </pc:sldChg>
       <pc:sldChg chg="addSp delSp modSp new mod">
         <pc:chgData name="Pablo Esteban Gutiérrez-Fonseca (he/him)" userId="25bdc618-995f-415b-9b28-31563f05eb38" providerId="ADAL" clId="{7D9C72EA-3835-4851-B556-7D2600718D23}" dt="2024-11-18T18:38:52.179" v="181" actId="115"/>
         <pc:sldMkLst>
@@ -11096,6 +11123,106 @@
             <ac:picMk id="4" creationId="{603725E6-F235-400E-7202-7E9AA96F15D6}"/>
           </ac:picMkLst>
         </pc:picChg>
+      </pc:sldChg>
+      <pc:sldChg chg="modSp new mod">
+        <pc:chgData name="Pablo Esteban Gutiérrez-Fonseca (he/him)" userId="25bdc618-995f-415b-9b28-31563f05eb38" providerId="ADAL" clId="{7D9C72EA-3835-4851-B556-7D2600718D23}" dt="2024-11-19T15:13:32.257" v="338"/>
+        <pc:sldMkLst>
+          <pc:docMk/>
+          <pc:sldMk cId="1670107377" sldId="346"/>
+        </pc:sldMkLst>
+        <pc:spChg chg="mod">
+          <ac:chgData name="Pablo Esteban Gutiérrez-Fonseca (he/him)" userId="25bdc618-995f-415b-9b28-31563f05eb38" providerId="ADAL" clId="{7D9C72EA-3835-4851-B556-7D2600718D23}" dt="2024-11-19T13:56:31.971" v="266" actId="20577"/>
+          <ac:spMkLst>
+            <pc:docMk/>
+            <pc:sldMk cId="1670107377" sldId="346"/>
+            <ac:spMk id="2" creationId="{7E088855-7E68-CFC1-C906-33FC861CBC8F}"/>
+          </ac:spMkLst>
+        </pc:spChg>
+        <pc:spChg chg="mod">
+          <ac:chgData name="Pablo Esteban Gutiérrez-Fonseca (he/him)" userId="25bdc618-995f-415b-9b28-31563f05eb38" providerId="ADAL" clId="{7D9C72EA-3835-4851-B556-7D2600718D23}" dt="2024-11-19T15:13:32.257" v="338"/>
+          <ac:spMkLst>
+            <pc:docMk/>
+            <pc:sldMk cId="1670107377" sldId="346"/>
+            <ac:spMk id="3" creationId="{C15E64CE-A440-9AC2-A51E-0BEB6D24878C}"/>
+          </ac:spMkLst>
+        </pc:spChg>
+      </pc:sldChg>
+      <pc:sldChg chg="addSp modSp new mod modAnim">
+        <pc:chgData name="Pablo Esteban Gutiérrez-Fonseca (he/him)" userId="25bdc618-995f-415b-9b28-31563f05eb38" providerId="ADAL" clId="{7D9C72EA-3835-4851-B556-7D2600718D23}" dt="2024-11-19T13:52:05.582" v="233"/>
+        <pc:sldMkLst>
+          <pc:docMk/>
+          <pc:sldMk cId="3823422360" sldId="347"/>
+        </pc:sldMkLst>
+        <pc:spChg chg="mod">
+          <ac:chgData name="Pablo Esteban Gutiérrez-Fonseca (he/him)" userId="25bdc618-995f-415b-9b28-31563f05eb38" providerId="ADAL" clId="{7D9C72EA-3835-4851-B556-7D2600718D23}" dt="2024-11-19T13:50:39.856" v="223" actId="108"/>
+          <ac:spMkLst>
+            <pc:docMk/>
+            <pc:sldMk cId="3823422360" sldId="347"/>
+            <ac:spMk id="2" creationId="{7C940C1F-4A0B-4114-0520-E3A3249DBCFD}"/>
+          </ac:spMkLst>
+        </pc:spChg>
+        <pc:spChg chg="mod">
+          <ac:chgData name="Pablo Esteban Gutiérrez-Fonseca (he/him)" userId="25bdc618-995f-415b-9b28-31563f05eb38" providerId="ADAL" clId="{7D9C72EA-3835-4851-B556-7D2600718D23}" dt="2024-11-19T13:51:20.522" v="227" actId="108"/>
+          <ac:spMkLst>
+            <pc:docMk/>
+            <pc:sldMk cId="3823422360" sldId="347"/>
+            <ac:spMk id="3" creationId="{D0EA53BC-8115-5077-6D14-8070A1162BDC}"/>
+          </ac:spMkLst>
+        </pc:spChg>
+        <pc:spChg chg="add mod">
+          <ac:chgData name="Pablo Esteban Gutiérrez-Fonseca (he/him)" userId="25bdc618-995f-415b-9b28-31563f05eb38" providerId="ADAL" clId="{7D9C72EA-3835-4851-B556-7D2600718D23}" dt="2024-11-19T13:52:01.975" v="232" actId="1076"/>
+          <ac:spMkLst>
+            <pc:docMk/>
+            <pc:sldMk cId="3823422360" sldId="347"/>
+            <ac:spMk id="4" creationId="{685B1828-315B-FE41-51D6-03E45601A790}"/>
+          </ac:spMkLst>
+        </pc:spChg>
+      </pc:sldChg>
+      <pc:sldChg chg="modSp add mod">
+        <pc:chgData name="Pablo Esteban Gutiérrez-Fonseca (he/him)" userId="25bdc618-995f-415b-9b28-31563f05eb38" providerId="ADAL" clId="{7D9C72EA-3835-4851-B556-7D2600718D23}" dt="2024-11-19T13:57:29.500" v="283" actId="113"/>
+        <pc:sldMkLst>
+          <pc:docMk/>
+          <pc:sldMk cId="2410762563" sldId="348"/>
+        </pc:sldMkLst>
+        <pc:spChg chg="mod">
+          <ac:chgData name="Pablo Esteban Gutiérrez-Fonseca (he/him)" userId="25bdc618-995f-415b-9b28-31563f05eb38" providerId="ADAL" clId="{7D9C72EA-3835-4851-B556-7D2600718D23}" dt="2024-11-19T13:56:49.465" v="272" actId="20577"/>
+          <ac:spMkLst>
+            <pc:docMk/>
+            <pc:sldMk cId="2410762563" sldId="348"/>
+            <ac:spMk id="2" creationId="{B4E815F9-62AC-0498-1F26-F5849AE04203}"/>
+          </ac:spMkLst>
+        </pc:spChg>
+        <pc:spChg chg="mod">
+          <ac:chgData name="Pablo Esteban Gutiérrez-Fonseca (he/him)" userId="25bdc618-995f-415b-9b28-31563f05eb38" providerId="ADAL" clId="{7D9C72EA-3835-4851-B556-7D2600718D23}" dt="2024-11-19T13:57:29.500" v="283" actId="113"/>
+          <ac:spMkLst>
+            <pc:docMk/>
+            <pc:sldMk cId="2410762563" sldId="348"/>
+            <ac:spMk id="3" creationId="{AACC4EC8-617A-3C98-62D9-0E130C768B86}"/>
+          </ac:spMkLst>
+        </pc:spChg>
+      </pc:sldChg>
+      <pc:sldChg chg="modSp add mod">
+        <pc:chgData name="Pablo Esteban Gutiérrez-Fonseca (he/him)" userId="25bdc618-995f-415b-9b28-31563f05eb38" providerId="ADAL" clId="{7D9C72EA-3835-4851-B556-7D2600718D23}" dt="2024-11-19T15:13:46.480" v="342" actId="20577"/>
+        <pc:sldMkLst>
+          <pc:docMk/>
+          <pc:sldMk cId="1726084656" sldId="349"/>
+        </pc:sldMkLst>
+        <pc:spChg chg="mod">
+          <ac:chgData name="Pablo Esteban Gutiérrez-Fonseca (he/him)" userId="25bdc618-995f-415b-9b28-31563f05eb38" providerId="ADAL" clId="{7D9C72EA-3835-4851-B556-7D2600718D23}" dt="2024-11-19T13:57:45.711" v="286" actId="108"/>
+          <ac:spMkLst>
+            <pc:docMk/>
+            <pc:sldMk cId="1726084656" sldId="349"/>
+            <ac:spMk id="2" creationId="{D2767B07-85E1-EBDB-F8F1-698C18092F74}"/>
+          </ac:spMkLst>
+        </pc:spChg>
+        <pc:spChg chg="mod">
+          <ac:chgData name="Pablo Esteban Gutiérrez-Fonseca (he/him)" userId="25bdc618-995f-415b-9b28-31563f05eb38" providerId="ADAL" clId="{7D9C72EA-3835-4851-B556-7D2600718D23}" dt="2024-11-19T15:13:46.480" v="342" actId="20577"/>
+          <ac:spMkLst>
+            <pc:docMk/>
+            <pc:sldMk cId="1726084656" sldId="349"/>
+            <ac:spMk id="3" creationId="{5ED4FE38-85B9-30E9-BFAF-EAD7E081374A}"/>
+          </ac:spMkLst>
+        </pc:spChg>
       </pc:sldChg>
       <pc:sldChg chg="del">
         <pc:chgData name="Pablo Esteban Gutiérrez-Fonseca (he/him)" userId="25bdc618-995f-415b-9b28-31563f05eb38" providerId="ADAL" clId="{7D9C72EA-3835-4851-B556-7D2600718D23}" dt="2024-11-18T17:31:59.901" v="0" actId="47"/>
@@ -11585,7 +11712,7 @@
               <a:pPr>
                 <a:defRPr/>
               </a:pPr>
-              <a:t>11/18/2024</a:t>
+              <a:t>11/19/2024</a:t>
             </a:fld>
             <a:endParaRPr lang="en-US"/>
           </a:p>
@@ -11776,7 +11903,7 @@
               <a:pPr>
                 <a:defRPr/>
               </a:pPr>
-              <a:t>11/18/2024</a:t>
+              <a:t>11/19/2024</a:t>
             </a:fld>
             <a:endParaRPr lang="en-US"/>
           </a:p>
@@ -14596,7 +14723,7 @@
                   <a:spcPts val="0"/>
                 </a:spcAft>
               </a:pPr>
-              <a:t>11/18/2024</a:t>
+              <a:t>11/19/2024</a:t>
             </a:fld>
             <a:endParaRPr lang="en-US" dirty="0">
               <a:solidFill>
@@ -15149,6 +15276,686 @@
         </p:spPr>
       </p:pic>
     </p:spTree>
+  </p:cSld>
+  <p:clrMapOvr>
+    <a:masterClrMapping/>
+  </p:clrMapOvr>
+</p:sld>
+</file>
+
+<file path=ppt/slides/slide10.xml><?xml version="1.0" encoding="utf-8"?>
+<p:sld xmlns:a="http://schemas.openxmlformats.org/drawingml/2006/main" xmlns:r="http://schemas.openxmlformats.org/officeDocument/2006/relationships" xmlns:p="http://schemas.openxmlformats.org/presentationml/2006/main">
+  <p:cSld>
+    <p:spTree>
+      <p:nvGrpSpPr>
+        <p:cNvPr id="1" name=""/>
+        <p:cNvGrpSpPr/>
+        <p:nvPr/>
+      </p:nvGrpSpPr>
+      <p:grpSpPr>
+        <a:xfrm>
+          <a:off x="0" y="0"/>
+          <a:ext cx="0" cy="0"/>
+          <a:chOff x="0" y="0"/>
+          <a:chExt cx="0" cy="0"/>
+        </a:xfrm>
+      </p:grpSpPr>
+      <p:sp>
+        <p:nvSpPr>
+          <p:cNvPr id="2" name="Title 1">
+            <a:extLst>
+              <a:ext uri="{FF2B5EF4-FFF2-40B4-BE49-F238E27FC236}">
+                <a16:creationId xmlns:a16="http://schemas.microsoft.com/office/drawing/2014/main" id="{E00960DB-DF22-9611-C56D-2D4C297512BC}"/>
+              </a:ext>
+            </a:extLst>
+          </p:cNvPr>
+          <p:cNvSpPr>
+            <a:spLocks noGrp="1"/>
+          </p:cNvSpPr>
+          <p:nvPr>
+            <p:ph type="title"/>
+          </p:nvPr>
+        </p:nvSpPr>
+        <p:spPr/>
+        <p:txBody>
+          <a:bodyPr/>
+          <a:lstStyle/>
+          <a:p>
+            <a:r>
+              <a:rPr lang="en-US" sz="3600" dirty="0">
+                <a:solidFill>
+                  <a:srgbClr val="0070C0"/>
+                </a:solidFill>
+                <a:latin typeface="Times New Roman" panose="02020603050405020304" pitchFamily="18" charset="0"/>
+                <a:cs typeface="Times New Roman" panose="02020603050405020304" pitchFamily="18" charset="0"/>
+              </a:rPr>
+              <a:t>R-Squared and Adjusted R-Squared </a:t>
+            </a:r>
+          </a:p>
+        </p:txBody>
+      </p:sp>
+      <p:sp>
+        <p:nvSpPr>
+          <p:cNvPr id="3" name="Content Placeholder 2">
+            <a:extLst>
+              <a:ext uri="{FF2B5EF4-FFF2-40B4-BE49-F238E27FC236}">
+                <a16:creationId xmlns:a16="http://schemas.microsoft.com/office/drawing/2014/main" id="{271F0ACC-614C-9816-4995-A8344E2A8D1E}"/>
+              </a:ext>
+            </a:extLst>
+          </p:cNvPr>
+          <p:cNvSpPr>
+            <a:spLocks noGrp="1"/>
+          </p:cNvSpPr>
+          <p:nvPr>
+            <p:ph idx="1"/>
+          </p:nvPr>
+        </p:nvSpPr>
+        <p:spPr/>
+        <p:txBody>
+          <a:bodyPr/>
+          <a:lstStyle/>
+          <a:p>
+            <a:r>
+              <a:rPr lang="en-US" b="0" i="0" dirty="0">
+                <a:effectLst/>
+                <a:latin typeface="Times New Roman" panose="02020603050405020304" pitchFamily="18" charset="0"/>
+                <a:cs typeface="Times New Roman" panose="02020603050405020304" pitchFamily="18" charset="0"/>
+              </a:rPr>
+              <a:t>Adjusted r-squared, on the other hand, adjusts for the number of predictors in the model. It penalizes excessive complexity by incorporating a correction factor based on the number of predictors and sample size. Consequently, adjusted r-squared is often more reliable for comparing models with different numbers of predictors.</a:t>
+            </a:r>
+            <a:endParaRPr lang="en-US" dirty="0">
+              <a:latin typeface="Times New Roman" panose="02020603050405020304" pitchFamily="18" charset="0"/>
+              <a:cs typeface="Times New Roman" panose="02020603050405020304" pitchFamily="18" charset="0"/>
+            </a:endParaRPr>
+          </a:p>
+        </p:txBody>
+      </p:sp>
+      <p:pic>
+        <p:nvPicPr>
+          <p:cNvPr id="4" name="Picture 3">
+            <a:extLst>
+              <a:ext uri="{FF2B5EF4-FFF2-40B4-BE49-F238E27FC236}">
+                <a16:creationId xmlns:a16="http://schemas.microsoft.com/office/drawing/2014/main" id="{18CF671C-4260-69A5-1796-61CF556BA8AA}"/>
+              </a:ext>
+            </a:extLst>
+          </p:cNvPr>
+          <p:cNvPicPr>
+            <a:picLocks noChangeAspect="1"/>
+          </p:cNvPicPr>
+          <p:nvPr/>
+        </p:nvPicPr>
+        <p:blipFill>
+          <a:blip r:embed="rId2"/>
+          <a:srcRect l="11111" r="44444"/>
+          <a:stretch/>
+        </p:blipFill>
+        <p:spPr>
+          <a:xfrm>
+            <a:off x="1394460" y="4495800"/>
+            <a:ext cx="3048000" cy="1085850"/>
+          </a:xfrm>
+          <a:prstGeom prst="rect">
+            <a:avLst/>
+          </a:prstGeom>
+        </p:spPr>
+      </p:pic>
+      <p:sp>
+        <p:nvSpPr>
+          <p:cNvPr id="5" name="TextBox 4">
+            <a:extLst>
+              <a:ext uri="{FF2B5EF4-FFF2-40B4-BE49-F238E27FC236}">
+                <a16:creationId xmlns:a16="http://schemas.microsoft.com/office/drawing/2014/main" id="{AD9D99E5-E743-114A-1467-9FE2D6968E48}"/>
+              </a:ext>
+            </a:extLst>
+          </p:cNvPr>
+          <p:cNvSpPr txBox="1"/>
+          <p:nvPr/>
+        </p:nvSpPr>
+        <p:spPr>
+          <a:xfrm>
+            <a:off x="5029200" y="4591050"/>
+            <a:ext cx="4848187" cy="1292662"/>
+          </a:xfrm>
+          <a:prstGeom prst="rect">
+            <a:avLst/>
+          </a:prstGeom>
+          <a:noFill/>
+        </p:spPr>
+        <p:txBody>
+          <a:bodyPr wrap="none" rtlCol="0">
+            <a:spAutoFit/>
+          </a:bodyPr>
+          <a:lstStyle/>
+          <a:p>
+            <a:pPr algn="l">
+              <a:lnSpc>
+                <a:spcPts val="2400"/>
+              </a:lnSpc>
+              <a:buFont typeface="Arial" panose="020B0604020202020204" pitchFamily="34" charset="0"/>
+              <a:buChar char="•"/>
+            </a:pPr>
+            <a:r>
+              <a:rPr lang="en-US" b="0" i="1" dirty="0">
+                <a:solidFill>
+                  <a:srgbClr val="242424"/>
+                </a:solidFill>
+                <a:effectLst/>
+                <a:latin typeface="Times New Roman" panose="02020603050405020304" pitchFamily="18" charset="0"/>
+                <a:cs typeface="Times New Roman" panose="02020603050405020304" pitchFamily="18" charset="0"/>
+              </a:rPr>
+              <a:t>n</a:t>
+            </a:r>
+            <a:r>
+              <a:rPr lang="en-US" b="0" i="0" dirty="0">
+                <a:solidFill>
+                  <a:srgbClr val="242424"/>
+                </a:solidFill>
+                <a:effectLst/>
+                <a:latin typeface="Times New Roman" panose="02020603050405020304" pitchFamily="18" charset="0"/>
+                <a:cs typeface="Times New Roman" panose="02020603050405020304" pitchFamily="18" charset="0"/>
+              </a:rPr>
+              <a:t> represents the number of observations</a:t>
+            </a:r>
+          </a:p>
+          <a:p>
+            <a:pPr algn="l">
+              <a:lnSpc>
+                <a:spcPts val="2400"/>
+              </a:lnSpc>
+              <a:buFont typeface="Arial" panose="020B0604020202020204" pitchFamily="34" charset="0"/>
+              <a:buChar char="•"/>
+            </a:pPr>
+            <a:r>
+              <a:rPr lang="en-US" b="0" i="1" dirty="0">
+                <a:solidFill>
+                  <a:srgbClr val="242424"/>
+                </a:solidFill>
+                <a:effectLst/>
+                <a:latin typeface="Times New Roman" panose="02020603050405020304" pitchFamily="18" charset="0"/>
+                <a:cs typeface="Times New Roman" panose="02020603050405020304" pitchFamily="18" charset="0"/>
+              </a:rPr>
+              <a:t>p</a:t>
+            </a:r>
+            <a:r>
+              <a:rPr lang="en-US" b="0" i="0" dirty="0">
+                <a:solidFill>
+                  <a:srgbClr val="242424"/>
+                </a:solidFill>
+                <a:effectLst/>
+                <a:latin typeface="Times New Roman" panose="02020603050405020304" pitchFamily="18" charset="0"/>
+                <a:cs typeface="Times New Roman" panose="02020603050405020304" pitchFamily="18" charset="0"/>
+              </a:rPr>
+              <a:t> signifies the number of predictors in the model</a:t>
+            </a:r>
+          </a:p>
+          <a:p>
+            <a:pPr algn="l">
+              <a:lnSpc>
+                <a:spcPts val="2400"/>
+              </a:lnSpc>
+              <a:buFont typeface="Arial" panose="020B0604020202020204" pitchFamily="34" charset="0"/>
+              <a:buChar char="•"/>
+            </a:pPr>
+            <a:r>
+              <a:rPr lang="en-US" b="0" i="1" dirty="0">
+                <a:solidFill>
+                  <a:srgbClr val="242424"/>
+                </a:solidFill>
+                <a:effectLst/>
+                <a:latin typeface="Times New Roman" panose="02020603050405020304" pitchFamily="18" charset="0"/>
+                <a:cs typeface="Times New Roman" panose="02020603050405020304" pitchFamily="18" charset="0"/>
+              </a:rPr>
+              <a:t>R</a:t>
+            </a:r>
+            <a:r>
+              <a:rPr lang="en-US" b="0" i="0" dirty="0">
+                <a:solidFill>
+                  <a:srgbClr val="242424"/>
+                </a:solidFill>
+                <a:effectLst/>
+                <a:latin typeface="Times New Roman" panose="02020603050405020304" pitchFamily="18" charset="0"/>
+                <a:cs typeface="Times New Roman" panose="02020603050405020304" pitchFamily="18" charset="0"/>
+              </a:rPr>
+              <a:t>2 denotes the ordinary r-squared value</a:t>
+            </a:r>
+          </a:p>
+          <a:p>
+            <a:endParaRPr lang="en-US" dirty="0"/>
+          </a:p>
+        </p:txBody>
+      </p:sp>
+    </p:spTree>
+    <p:extLst>
+      <p:ext uri="{BB962C8B-B14F-4D97-AF65-F5344CB8AC3E}">
+        <p14:creationId xmlns:p14="http://schemas.microsoft.com/office/powerpoint/2010/main" val="1501656931"/>
+      </p:ext>
+    </p:extLst>
+  </p:cSld>
+  <p:clrMapOvr>
+    <a:masterClrMapping/>
+  </p:clrMapOvr>
+</p:sld>
+</file>
+
+<file path=ppt/slides/slide11.xml><?xml version="1.0" encoding="utf-8"?>
+<p:sld xmlns:a="http://schemas.openxmlformats.org/drawingml/2006/main" xmlns:r="http://schemas.openxmlformats.org/officeDocument/2006/relationships" xmlns:p="http://schemas.openxmlformats.org/presentationml/2006/main">
+  <p:cSld>
+    <p:spTree>
+      <p:nvGrpSpPr>
+        <p:cNvPr id="1" name=""/>
+        <p:cNvGrpSpPr/>
+        <p:nvPr/>
+      </p:nvGrpSpPr>
+      <p:grpSpPr>
+        <a:xfrm>
+          <a:off x="0" y="0"/>
+          <a:ext cx="0" cy="0"/>
+          <a:chOff x="0" y="0"/>
+          <a:chExt cx="0" cy="0"/>
+        </a:xfrm>
+      </p:grpSpPr>
+      <p:sp>
+        <p:nvSpPr>
+          <p:cNvPr id="2" name="Title 1">
+            <a:extLst>
+              <a:ext uri="{FF2B5EF4-FFF2-40B4-BE49-F238E27FC236}">
+                <a16:creationId xmlns:a16="http://schemas.microsoft.com/office/drawing/2014/main" id="{7E088855-7E68-CFC1-C906-33FC861CBC8F}"/>
+              </a:ext>
+            </a:extLst>
+          </p:cNvPr>
+          <p:cNvSpPr>
+            <a:spLocks noGrp="1"/>
+          </p:cNvSpPr>
+          <p:nvPr>
+            <p:ph type="title"/>
+          </p:nvPr>
+        </p:nvSpPr>
+        <p:spPr/>
+        <p:txBody>
+          <a:bodyPr>
+            <a:normAutofit/>
+          </a:bodyPr>
+          <a:lstStyle/>
+          <a:p>
+            <a:r>
+              <a:rPr lang="en-US" sz="3600" dirty="0">
+                <a:solidFill>
+                  <a:srgbClr val="0070C0"/>
+                </a:solidFill>
+                <a:latin typeface="Times New Roman" panose="02020603050405020304" pitchFamily="18" charset="0"/>
+                <a:cs typeface="Times New Roman" panose="02020603050405020304" pitchFamily="18" charset="0"/>
+              </a:rPr>
+              <a:t>Basic MLR in R: model</a:t>
+            </a:r>
+            <a:endParaRPr lang="en-US" sz="3600" dirty="0"/>
+          </a:p>
+        </p:txBody>
+      </p:sp>
+      <p:sp>
+        <p:nvSpPr>
+          <p:cNvPr id="3" name="Content Placeholder 2">
+            <a:extLst>
+              <a:ext uri="{FF2B5EF4-FFF2-40B4-BE49-F238E27FC236}">
+                <a16:creationId xmlns:a16="http://schemas.microsoft.com/office/drawing/2014/main" id="{C15E64CE-A440-9AC2-A51E-0BEB6D24878C}"/>
+              </a:ext>
+            </a:extLst>
+          </p:cNvPr>
+          <p:cNvSpPr>
+            <a:spLocks noGrp="1"/>
+          </p:cNvSpPr>
+          <p:nvPr>
+            <p:ph idx="1"/>
+          </p:nvPr>
+        </p:nvSpPr>
+        <p:spPr/>
+        <p:txBody>
+          <a:bodyPr>
+            <a:normAutofit/>
+          </a:bodyPr>
+          <a:lstStyle/>
+          <a:p>
+            <a:r>
+              <a:rPr lang="en-US" b="1" dirty="0"/>
+              <a:t># Fit the multiple linear regression model </a:t>
+            </a:r>
+          </a:p>
+          <a:p>
+            <a:pPr marL="0" indent="0">
+              <a:buNone/>
+            </a:pPr>
+            <a:r>
+              <a:rPr lang="en-US" dirty="0"/>
+              <a:t>mod &lt;- </a:t>
+            </a:r>
+            <a:r>
+              <a:rPr lang="en-US" dirty="0" err="1"/>
+              <a:t>lm</a:t>
+            </a:r>
+            <a:r>
+              <a:rPr lang="en-US" dirty="0"/>
+              <a:t>(y ~ x1 + x2 + x3, data = </a:t>
+            </a:r>
+            <a:r>
+              <a:rPr lang="en-US" dirty="0" err="1"/>
+              <a:t>my_data</a:t>
+            </a:r>
+            <a:r>
+              <a:rPr lang="en-US" dirty="0"/>
+              <a:t>) </a:t>
+            </a:r>
+          </a:p>
+          <a:p>
+            <a:pPr marL="0" indent="0">
+              <a:buNone/>
+            </a:pPr>
+            <a:r>
+              <a:rPr lang="en-US" dirty="0"/>
+              <a:t>or</a:t>
+            </a:r>
+          </a:p>
+          <a:p>
+            <a:pPr marL="0" indent="0">
+              <a:buNone/>
+            </a:pPr>
+            <a:r>
+              <a:rPr lang="en-US" dirty="0"/>
+              <a:t>mod &lt;- </a:t>
+            </a:r>
+            <a:r>
+              <a:rPr lang="en-US" dirty="0" err="1"/>
+              <a:t>lm</a:t>
+            </a:r>
+            <a:r>
+              <a:rPr lang="en-US" dirty="0"/>
+              <a:t>(</a:t>
+            </a:r>
+            <a:r>
+              <a:rPr lang="en-US" dirty="0" err="1"/>
+              <a:t>dep_var</a:t>
+            </a:r>
+            <a:r>
+              <a:rPr lang="en-US" dirty="0"/>
+              <a:t> ~ indep_var1 + indep_var2 + indep_var3, data = </a:t>
+            </a:r>
+            <a:r>
+              <a:rPr lang="en-US" dirty="0" err="1"/>
+              <a:t>my_data</a:t>
+            </a:r>
+            <a:r>
+              <a:rPr lang="en-US" dirty="0"/>
+              <a:t>)</a:t>
+            </a:r>
+          </a:p>
+          <a:p>
+            <a:pPr marL="0" indent="0">
+              <a:buNone/>
+            </a:pPr>
+            <a:endParaRPr lang="en-US" dirty="0"/>
+          </a:p>
+          <a:p>
+            <a:r>
+              <a:rPr lang="en-US" b="1" dirty="0"/>
+              <a:t># View the summary of the model </a:t>
+            </a:r>
+          </a:p>
+          <a:p>
+            <a:pPr marL="0" indent="0">
+              <a:buNone/>
+            </a:pPr>
+            <a:r>
+              <a:rPr lang="en-US" dirty="0"/>
+              <a:t>summary(mod)</a:t>
+            </a:r>
+          </a:p>
+        </p:txBody>
+      </p:sp>
+    </p:spTree>
+    <p:extLst>
+      <p:ext uri="{BB962C8B-B14F-4D97-AF65-F5344CB8AC3E}">
+        <p14:creationId xmlns:p14="http://schemas.microsoft.com/office/powerpoint/2010/main" val="1670107377"/>
+      </p:ext>
+    </p:extLst>
+  </p:cSld>
+  <p:clrMapOvr>
+    <a:masterClrMapping/>
+  </p:clrMapOvr>
+</p:sld>
+</file>
+
+<file path=ppt/slides/slide12.xml><?xml version="1.0" encoding="utf-8"?>
+<p:sld xmlns:a="http://schemas.openxmlformats.org/drawingml/2006/main" xmlns:r="http://schemas.openxmlformats.org/officeDocument/2006/relationships" xmlns:p="http://schemas.openxmlformats.org/presentationml/2006/main">
+  <p:cSld>
+    <p:spTree>
+      <p:nvGrpSpPr>
+        <p:cNvPr id="1" name="">
+          <a:extLst>
+            <a:ext uri="{FF2B5EF4-FFF2-40B4-BE49-F238E27FC236}">
+              <a16:creationId xmlns:a16="http://schemas.microsoft.com/office/drawing/2014/main" id="{63AB7523-16CF-2C2B-F7A4-FDF10EFA276F}"/>
+            </a:ext>
+          </a:extLst>
+        </p:cNvPr>
+        <p:cNvGrpSpPr/>
+        <p:nvPr/>
+      </p:nvGrpSpPr>
+      <p:grpSpPr>
+        <a:xfrm>
+          <a:off x="0" y="0"/>
+          <a:ext cx="0" cy="0"/>
+          <a:chOff x="0" y="0"/>
+          <a:chExt cx="0" cy="0"/>
+        </a:xfrm>
+      </p:grpSpPr>
+      <p:sp>
+        <p:nvSpPr>
+          <p:cNvPr id="2" name="Title 1">
+            <a:extLst>
+              <a:ext uri="{FF2B5EF4-FFF2-40B4-BE49-F238E27FC236}">
+                <a16:creationId xmlns:a16="http://schemas.microsoft.com/office/drawing/2014/main" id="{B4E815F9-62AC-0498-1F26-F5849AE04203}"/>
+              </a:ext>
+            </a:extLst>
+          </p:cNvPr>
+          <p:cNvSpPr>
+            <a:spLocks noGrp="1"/>
+          </p:cNvSpPr>
+          <p:nvPr>
+            <p:ph type="title"/>
+          </p:nvPr>
+        </p:nvSpPr>
+        <p:spPr/>
+        <p:txBody>
+          <a:bodyPr>
+            <a:normAutofit/>
+          </a:bodyPr>
+          <a:lstStyle/>
+          <a:p>
+            <a:r>
+              <a:rPr lang="en-US" sz="3600" dirty="0">
+                <a:solidFill>
+                  <a:srgbClr val="0070C0"/>
+                </a:solidFill>
+                <a:latin typeface="Times New Roman" panose="02020603050405020304" pitchFamily="18" charset="0"/>
+                <a:cs typeface="Times New Roman" panose="02020603050405020304" pitchFamily="18" charset="0"/>
+              </a:rPr>
+              <a:t>Basic MLR in R: check for multicollinearity</a:t>
+            </a:r>
+          </a:p>
+        </p:txBody>
+      </p:sp>
+      <p:sp>
+        <p:nvSpPr>
+          <p:cNvPr id="3" name="Content Placeholder 2">
+            <a:extLst>
+              <a:ext uri="{FF2B5EF4-FFF2-40B4-BE49-F238E27FC236}">
+                <a16:creationId xmlns:a16="http://schemas.microsoft.com/office/drawing/2014/main" id="{AACC4EC8-617A-3C98-62D9-0E130C768B86}"/>
+              </a:ext>
+            </a:extLst>
+          </p:cNvPr>
+          <p:cNvSpPr>
+            <a:spLocks noGrp="1"/>
+          </p:cNvSpPr>
+          <p:nvPr>
+            <p:ph idx="1"/>
+          </p:nvPr>
+        </p:nvSpPr>
+        <p:spPr/>
+        <p:txBody>
+          <a:bodyPr/>
+          <a:lstStyle/>
+          <a:p>
+            <a:r>
+              <a:rPr lang="en-US" b="1" dirty="0"/>
+              <a:t># Variance Inflation Factor (VIF)</a:t>
+            </a:r>
+          </a:p>
+          <a:p>
+            <a:r>
+              <a:rPr lang="en-US" dirty="0"/>
+              <a:t>library(car)  </a:t>
+            </a:r>
+          </a:p>
+          <a:p>
+            <a:r>
+              <a:rPr lang="en-US" dirty="0" err="1"/>
+              <a:t>vif</a:t>
+            </a:r>
+            <a:r>
+              <a:rPr lang="en-US" dirty="0"/>
+              <a:t>(mod)</a:t>
+            </a:r>
+          </a:p>
+        </p:txBody>
+      </p:sp>
+    </p:spTree>
+    <p:extLst>
+      <p:ext uri="{BB962C8B-B14F-4D97-AF65-F5344CB8AC3E}">
+        <p14:creationId xmlns:p14="http://schemas.microsoft.com/office/powerpoint/2010/main" val="2410762563"/>
+      </p:ext>
+    </p:extLst>
+  </p:cSld>
+  <p:clrMapOvr>
+    <a:masterClrMapping/>
+  </p:clrMapOvr>
+</p:sld>
+</file>
+
+<file path=ppt/slides/slide13.xml><?xml version="1.0" encoding="utf-8"?>
+<p:sld xmlns:a="http://schemas.openxmlformats.org/drawingml/2006/main" xmlns:r="http://schemas.openxmlformats.org/officeDocument/2006/relationships" xmlns:p="http://schemas.openxmlformats.org/presentationml/2006/main">
+  <p:cSld>
+    <p:spTree>
+      <p:nvGrpSpPr>
+        <p:cNvPr id="1" name="">
+          <a:extLst>
+            <a:ext uri="{FF2B5EF4-FFF2-40B4-BE49-F238E27FC236}">
+              <a16:creationId xmlns:a16="http://schemas.microsoft.com/office/drawing/2014/main" id="{116B4765-8C8D-5BDD-B2FF-667DF5A3E668}"/>
+            </a:ext>
+          </a:extLst>
+        </p:cNvPr>
+        <p:cNvGrpSpPr/>
+        <p:nvPr/>
+      </p:nvGrpSpPr>
+      <p:grpSpPr>
+        <a:xfrm>
+          <a:off x="0" y="0"/>
+          <a:ext cx="0" cy="0"/>
+          <a:chOff x="0" y="0"/>
+          <a:chExt cx="0" cy="0"/>
+        </a:xfrm>
+      </p:grpSpPr>
+      <p:sp>
+        <p:nvSpPr>
+          <p:cNvPr id="2" name="Title 1">
+            <a:extLst>
+              <a:ext uri="{FF2B5EF4-FFF2-40B4-BE49-F238E27FC236}">
+                <a16:creationId xmlns:a16="http://schemas.microsoft.com/office/drawing/2014/main" id="{D2767B07-85E1-EBDB-F8F1-698C18092F74}"/>
+              </a:ext>
+            </a:extLst>
+          </p:cNvPr>
+          <p:cNvSpPr>
+            <a:spLocks noGrp="1"/>
+          </p:cNvSpPr>
+          <p:nvPr>
+            <p:ph type="title"/>
+          </p:nvPr>
+        </p:nvSpPr>
+        <p:spPr/>
+        <p:txBody>
+          <a:bodyPr>
+            <a:normAutofit/>
+          </a:bodyPr>
+          <a:lstStyle/>
+          <a:p>
+            <a:r>
+              <a:rPr lang="en-US" sz="3600" dirty="0">
+                <a:solidFill>
+                  <a:srgbClr val="0070C0"/>
+                </a:solidFill>
+                <a:latin typeface="Times New Roman" panose="02020603050405020304" pitchFamily="18" charset="0"/>
+                <a:cs typeface="Times New Roman" panose="02020603050405020304" pitchFamily="18" charset="0"/>
+              </a:rPr>
+              <a:t>Basic MLR in R: Normality of Residuals</a:t>
+            </a:r>
+          </a:p>
+        </p:txBody>
+      </p:sp>
+      <p:sp>
+        <p:nvSpPr>
+          <p:cNvPr id="3" name="Content Placeholder 2">
+            <a:extLst>
+              <a:ext uri="{FF2B5EF4-FFF2-40B4-BE49-F238E27FC236}">
+                <a16:creationId xmlns:a16="http://schemas.microsoft.com/office/drawing/2014/main" id="{5ED4FE38-85B9-30E9-BFAF-EAD7E081374A}"/>
+              </a:ext>
+            </a:extLst>
+          </p:cNvPr>
+          <p:cNvSpPr>
+            <a:spLocks noGrp="1"/>
+          </p:cNvSpPr>
+          <p:nvPr>
+            <p:ph idx="1"/>
+          </p:nvPr>
+        </p:nvSpPr>
+        <p:spPr/>
+        <p:txBody>
+          <a:bodyPr/>
+          <a:lstStyle/>
+          <a:p>
+            <a:r>
+              <a:rPr lang="en-US" b="1" dirty="0"/>
+              <a:t># Histogram of residuals</a:t>
+            </a:r>
+          </a:p>
+          <a:p>
+            <a:r>
+              <a:rPr lang="en-US" dirty="0"/>
+              <a:t>hist(residuals(mod)</a:t>
+            </a:r>
+          </a:p>
+          <a:p>
+            <a:endParaRPr lang="en-US" b="1" dirty="0"/>
+          </a:p>
+          <a:p>
+            <a:r>
+              <a:rPr lang="en-US" b="1" dirty="0"/>
+              <a:t># Shapiro-Wilk test</a:t>
+            </a:r>
+          </a:p>
+          <a:p>
+            <a:r>
+              <a:rPr lang="en-US" dirty="0" err="1"/>
+              <a:t>shapiro.test</a:t>
+            </a:r>
+            <a:r>
+              <a:rPr lang="en-US" dirty="0"/>
+              <a:t>(residuals(mod))</a:t>
+            </a:r>
+          </a:p>
+        </p:txBody>
+      </p:sp>
+    </p:spTree>
+    <p:extLst>
+      <p:ext uri="{BB962C8B-B14F-4D97-AF65-F5344CB8AC3E}">
+        <p14:creationId xmlns:p14="http://schemas.microsoft.com/office/powerpoint/2010/main" val="1726084656"/>
+      </p:ext>
+    </p:extLst>
   </p:cSld>
   <p:clrMapOvr>
     <a:masterClrMapping/>
@@ -17462,6 +18269,100 @@
           </a:fontRef>
         </p:style>
       </p:cxnSp>
+      <p:sp>
+        <p:nvSpPr>
+          <p:cNvPr id="8" name="TextBox 7">
+            <a:extLst>
+              <a:ext uri="{FF2B5EF4-FFF2-40B4-BE49-F238E27FC236}">
+                <a16:creationId xmlns:a16="http://schemas.microsoft.com/office/drawing/2014/main" id="{F8C2CF70-03B1-3758-E05E-BB1654C2F53B}"/>
+              </a:ext>
+            </a:extLst>
+          </p:cNvPr>
+          <p:cNvSpPr txBox="1"/>
+          <p:nvPr/>
+        </p:nvSpPr>
+        <p:spPr>
+          <a:xfrm>
+            <a:off x="9406286" y="3860665"/>
+            <a:ext cx="1073591" cy="400110"/>
+          </a:xfrm>
+          <a:prstGeom prst="rect">
+            <a:avLst/>
+          </a:prstGeom>
+          <a:solidFill>
+            <a:srgbClr val="FFFFCC"/>
+          </a:solidFill>
+          <a:ln>
+            <a:solidFill>
+              <a:srgbClr val="C00000"/>
+            </a:solidFill>
+          </a:ln>
+        </p:spPr>
+        <p:txBody>
+          <a:bodyPr wrap="square" rtlCol="0">
+            <a:spAutoFit/>
+          </a:bodyPr>
+          <a:lstStyle/>
+          <a:p>
+            <a:pPr algn="ctr"/>
+            <a:r>
+              <a:rPr lang="en-US" sz="1000" dirty="0">
+                <a:solidFill>
+                  <a:schemeClr val="tx2"/>
+                </a:solidFill>
+                <a:latin typeface="Times New Roman" panose="02020603050405020304" pitchFamily="18" charset="0"/>
+                <a:cs typeface="Times New Roman" panose="02020603050405020304" pitchFamily="18" charset="0"/>
+              </a:rPr>
+              <a:t>Multiple Linear Regression</a:t>
+            </a:r>
+          </a:p>
+        </p:txBody>
+      </p:sp>
+      <p:cxnSp>
+        <p:nvCxnSpPr>
+          <p:cNvPr id="10" name="Straight Arrow Connector 9">
+            <a:extLst>
+              <a:ext uri="{FF2B5EF4-FFF2-40B4-BE49-F238E27FC236}">
+                <a16:creationId xmlns:a16="http://schemas.microsoft.com/office/drawing/2014/main" id="{D66C3A1C-3005-B0EA-2955-503C5CDB8557}"/>
+              </a:ext>
+            </a:extLst>
+          </p:cNvPr>
+          <p:cNvCxnSpPr>
+            <a:cxnSpLocks/>
+            <a:endCxn id="8" idx="0"/>
+          </p:cNvCxnSpPr>
+          <p:nvPr/>
+        </p:nvCxnSpPr>
+        <p:spPr>
+          <a:xfrm>
+            <a:off x="9525000" y="3620696"/>
+            <a:ext cx="418082" cy="239969"/>
+          </a:xfrm>
+          <a:prstGeom prst="straightConnector1">
+            <a:avLst/>
+          </a:prstGeom>
+          <a:ln>
+            <a:solidFill>
+              <a:srgbClr val="C00000"/>
+            </a:solidFill>
+            <a:tailEnd type="triangle"/>
+          </a:ln>
+        </p:spPr>
+        <p:style>
+          <a:lnRef idx="1">
+            <a:schemeClr val="accent1"/>
+          </a:lnRef>
+          <a:fillRef idx="0">
+            <a:schemeClr val="accent1"/>
+          </a:fillRef>
+          <a:effectRef idx="0">
+            <a:schemeClr val="accent1"/>
+          </a:effectRef>
+          <a:fontRef idx="minor">
+            <a:schemeClr val="tx1"/>
+          </a:fontRef>
+        </p:style>
+      </p:cxnSp>
     </p:spTree>
     <p:extLst>
       <p:ext uri="{BB962C8B-B14F-4D97-AF65-F5344CB8AC3E}">
@@ -17600,6 +18501,60 @@
                                   </p:childTnLst>
                                 </p:cTn>
                               </p:par>
+                              <p:par>
+                                <p:cTn id="13" presetID="1" presetClass="entr" presetSubtype="0" fill="hold" grpId="0" nodeType="withEffect">
+                                  <p:stCondLst>
+                                    <p:cond delay="0"/>
+                                  </p:stCondLst>
+                                  <p:childTnLst>
+                                    <p:set>
+                                      <p:cBhvr>
+                                        <p:cTn id="14" dur="1" fill="hold">
+                                          <p:stCondLst>
+                                            <p:cond delay="0"/>
+                                          </p:stCondLst>
+                                        </p:cTn>
+                                        <p:tgtEl>
+                                          <p:spTgt spid="8"/>
+                                        </p:tgtEl>
+                                        <p:attrNameLst>
+                                          <p:attrName>style.visibility</p:attrName>
+                                        </p:attrNameLst>
+                                      </p:cBhvr>
+                                      <p:to>
+                                        <p:strVal val="visible"/>
+                                      </p:to>
+                                    </p:set>
+                                  </p:childTnLst>
+                                </p:cTn>
+                              </p:par>
+                              <p:par>
+                                <p:cTn id="15" presetID="1" presetClass="entr" presetSubtype="0" fill="hold" nodeType="withEffect">
+                                  <p:stCondLst>
+                                    <p:cond delay="0"/>
+                                  </p:stCondLst>
+                                  <p:childTnLst>
+                                    <p:set>
+                                      <p:cBhvr>
+                                        <p:cTn id="16" dur="1" fill="hold">
+                                          <p:stCondLst>
+                                            <p:cond delay="0"/>
+                                          </p:stCondLst>
+                                        </p:cTn>
+                                        <p:tgtEl>
+                                          <p:spTgt spid="10"/>
+                                        </p:tgtEl>
+                                        <p:attrNameLst>
+                                          <p:attrName>style.visibility</p:attrName>
+                                        </p:attrNameLst>
+                                      </p:cBhvr>
+                                      <p:to>
+                                        <p:strVal val="visible"/>
+                                      </p:to>
+                                    </p:set>
+                                  </p:childTnLst>
+                                </p:cTn>
+                              </p:par>
                             </p:childTnLst>
                           </p:cTn>
                         </p:par>
@@ -17629,6 +18584,7 @@
     </p:tnLst>
     <p:bldLst>
       <p:bldP spid="7" grpId="0" animBg="1"/>
+      <p:bldP spid="8" grpId="0" animBg="1"/>
     </p:bldLst>
   </p:timing>
 </p:sld>
@@ -18324,6 +19280,295 @@
           <p:cNvPr id="2" name="Title 1">
             <a:extLst>
               <a:ext uri="{FF2B5EF4-FFF2-40B4-BE49-F238E27FC236}">
+                <a16:creationId xmlns:a16="http://schemas.microsoft.com/office/drawing/2014/main" id="{7C940C1F-4A0B-4114-0520-E3A3249DBCFD}"/>
+              </a:ext>
+            </a:extLst>
+          </p:cNvPr>
+          <p:cNvSpPr>
+            <a:spLocks noGrp="1"/>
+          </p:cNvSpPr>
+          <p:nvPr>
+            <p:ph type="title"/>
+          </p:nvPr>
+        </p:nvSpPr>
+        <p:spPr/>
+        <p:txBody>
+          <a:bodyPr/>
+          <a:lstStyle/>
+          <a:p>
+            <a:r>
+              <a:rPr lang="en-US" sz="3600" dirty="0">
+                <a:solidFill>
+                  <a:srgbClr val="0070C0"/>
+                </a:solidFill>
+                <a:latin typeface="Times New Roman" panose="02020603050405020304" pitchFamily="18" charset="0"/>
+                <a:cs typeface="Times New Roman" panose="02020603050405020304" pitchFamily="18" charset="0"/>
+              </a:rPr>
+              <a:t>What is a Variation Inflation Factor?</a:t>
+            </a:r>
+          </a:p>
+        </p:txBody>
+      </p:sp>
+      <p:sp>
+        <p:nvSpPr>
+          <p:cNvPr id="3" name="Content Placeholder 2">
+            <a:extLst>
+              <a:ext uri="{FF2B5EF4-FFF2-40B4-BE49-F238E27FC236}">
+                <a16:creationId xmlns:a16="http://schemas.microsoft.com/office/drawing/2014/main" id="{D0EA53BC-8115-5077-6D14-8070A1162BDC}"/>
+              </a:ext>
+            </a:extLst>
+          </p:cNvPr>
+          <p:cNvSpPr>
+            <a:spLocks noGrp="1"/>
+          </p:cNvSpPr>
+          <p:nvPr>
+            <p:ph idx="1"/>
+          </p:nvPr>
+        </p:nvSpPr>
+        <p:spPr/>
+        <p:txBody>
+          <a:bodyPr/>
+          <a:lstStyle/>
+          <a:p>
+            <a:r>
+              <a:rPr lang="en-US" dirty="0">
+                <a:solidFill>
+                  <a:srgbClr val="000000"/>
+                </a:solidFill>
+                <a:latin typeface="times new roman" panose="02020603050405020304" pitchFamily="18" charset="0"/>
+              </a:rPr>
+              <a:t> A variance inflation factor (VIF) provides a measure of multicollinearity among the independent variables in a multiple regression model.</a:t>
+            </a:r>
+          </a:p>
+          <a:p>
+            <a:r>
+              <a:rPr lang="en-US" b="0" i="0" dirty="0">
+                <a:solidFill>
+                  <a:srgbClr val="000000"/>
+                </a:solidFill>
+                <a:effectLst/>
+                <a:latin typeface="times new roman" panose="02020603050405020304" pitchFamily="18" charset="0"/>
+              </a:rPr>
+              <a:t>A variance inflation factor (</a:t>
+            </a:r>
+            <a:r>
+              <a:rPr lang="en-US" b="0" i="1" dirty="0">
+                <a:solidFill>
+                  <a:srgbClr val="000000"/>
+                </a:solidFill>
+                <a:effectLst/>
+                <a:latin typeface="times new roman" panose="02020603050405020304" pitchFamily="18" charset="0"/>
+              </a:rPr>
+              <a:t>VIF</a:t>
+            </a:r>
+            <a:r>
+              <a:rPr lang="en-US" b="0" i="0" dirty="0">
+                <a:solidFill>
+                  <a:srgbClr val="000000"/>
+                </a:solidFill>
+                <a:effectLst/>
+                <a:latin typeface="times new roman" panose="02020603050405020304" pitchFamily="18" charset="0"/>
+              </a:rPr>
+              <a:t>) quantifies how much the variance is inflated. </a:t>
+            </a:r>
+            <a:endParaRPr lang="en-US" dirty="0"/>
+          </a:p>
+        </p:txBody>
+      </p:sp>
+      <p:sp>
+        <p:nvSpPr>
+          <p:cNvPr id="4" name="TextBox 3">
+            <a:extLst>
+              <a:ext uri="{FF2B5EF4-FFF2-40B4-BE49-F238E27FC236}">
+                <a16:creationId xmlns:a16="http://schemas.microsoft.com/office/drawing/2014/main" id="{685B1828-315B-FE41-51D6-03E45601A790}"/>
+              </a:ext>
+            </a:extLst>
+          </p:cNvPr>
+          <p:cNvSpPr txBox="1"/>
+          <p:nvPr/>
+        </p:nvSpPr>
+        <p:spPr>
+          <a:xfrm>
+            <a:off x="2743200" y="4572000"/>
+            <a:ext cx="5755102" cy="923330"/>
+          </a:xfrm>
+          <a:prstGeom prst="rect">
+            <a:avLst/>
+          </a:prstGeom>
+          <a:noFill/>
+        </p:spPr>
+        <p:txBody>
+          <a:bodyPr wrap="none" rtlCol="0">
+            <a:spAutoFit/>
+          </a:bodyPr>
+          <a:lstStyle/>
+          <a:p>
+            <a:pPr algn="l">
+              <a:buFont typeface="Arial" panose="020B0604020202020204" pitchFamily="34" charset="0"/>
+              <a:buChar char="•"/>
+            </a:pPr>
+            <a:r>
+              <a:rPr lang="en-US" b="0" i="0" dirty="0">
+                <a:solidFill>
+                  <a:srgbClr val="111111"/>
+                </a:solidFill>
+                <a:effectLst/>
+                <a:latin typeface="Times New Roman" panose="02020603050405020304" pitchFamily="18" charset="0"/>
+                <a:cs typeface="Times New Roman" panose="02020603050405020304" pitchFamily="18" charset="0"/>
+              </a:rPr>
+              <a:t>VIF equal to 1 = variables are not correlated</a:t>
+            </a:r>
+          </a:p>
+          <a:p>
+            <a:pPr algn="l">
+              <a:buFont typeface="Arial" panose="020B0604020202020204" pitchFamily="34" charset="0"/>
+              <a:buChar char="•"/>
+            </a:pPr>
+            <a:r>
+              <a:rPr lang="en-US" b="0" i="0" dirty="0">
+                <a:solidFill>
+                  <a:srgbClr val="111111"/>
+                </a:solidFill>
+                <a:effectLst/>
+                <a:latin typeface="Times New Roman" panose="02020603050405020304" pitchFamily="18" charset="0"/>
+                <a:cs typeface="Times New Roman" panose="02020603050405020304" pitchFamily="18" charset="0"/>
+              </a:rPr>
+              <a:t>VIF between 1 and 5 = variables are moderately correlated </a:t>
+            </a:r>
+          </a:p>
+          <a:p>
+            <a:pPr algn="l">
+              <a:buFont typeface="Arial" panose="020B0604020202020204" pitchFamily="34" charset="0"/>
+              <a:buChar char="•"/>
+            </a:pPr>
+            <a:r>
+              <a:rPr lang="en-US" b="0" i="0" dirty="0">
+                <a:solidFill>
+                  <a:srgbClr val="111111"/>
+                </a:solidFill>
+                <a:effectLst/>
+                <a:latin typeface="Times New Roman" panose="02020603050405020304" pitchFamily="18" charset="0"/>
+                <a:cs typeface="Times New Roman" panose="02020603050405020304" pitchFamily="18" charset="0"/>
+              </a:rPr>
+              <a:t>VIF greater than 5 = variables are highly correlated</a:t>
+            </a:r>
+            <a:endParaRPr lang="en-US" dirty="0"/>
+          </a:p>
+        </p:txBody>
+      </p:sp>
+    </p:spTree>
+    <p:extLst>
+      <p:ext uri="{BB962C8B-B14F-4D97-AF65-F5344CB8AC3E}">
+        <p14:creationId xmlns:p14="http://schemas.microsoft.com/office/powerpoint/2010/main" val="3823422360"/>
+      </p:ext>
+    </p:extLst>
+  </p:cSld>
+  <p:clrMapOvr>
+    <a:masterClrMapping/>
+  </p:clrMapOvr>
+  <p:timing>
+    <p:tnLst>
+      <p:par>
+        <p:cTn id="1" dur="indefinite" restart="never" nodeType="tmRoot">
+          <p:childTnLst>
+            <p:seq concurrent="1" nextAc="seek">
+              <p:cTn id="2" dur="indefinite" nodeType="mainSeq">
+                <p:childTnLst>
+                  <p:par>
+                    <p:cTn id="3" fill="hold">
+                      <p:stCondLst>
+                        <p:cond delay="indefinite"/>
+                      </p:stCondLst>
+                      <p:childTnLst>
+                        <p:par>
+                          <p:cTn id="4" fill="hold">
+                            <p:stCondLst>
+                              <p:cond delay="0"/>
+                            </p:stCondLst>
+                            <p:childTnLst>
+                              <p:par>
+                                <p:cTn id="5" presetID="1" presetClass="entr" presetSubtype="0" fill="hold" grpId="0" nodeType="clickEffect">
+                                  <p:stCondLst>
+                                    <p:cond delay="0"/>
+                                  </p:stCondLst>
+                                  <p:childTnLst>
+                                    <p:set>
+                                      <p:cBhvr>
+                                        <p:cTn id="6" dur="1" fill="hold">
+                                          <p:stCondLst>
+                                            <p:cond delay="0"/>
+                                          </p:stCondLst>
+                                        </p:cTn>
+                                        <p:tgtEl>
+                                          <p:spTgt spid="4"/>
+                                        </p:tgtEl>
+                                        <p:attrNameLst>
+                                          <p:attrName>style.visibility</p:attrName>
+                                        </p:attrNameLst>
+                                      </p:cBhvr>
+                                      <p:to>
+                                        <p:strVal val="visible"/>
+                                      </p:to>
+                                    </p:set>
+                                  </p:childTnLst>
+                                </p:cTn>
+                              </p:par>
+                            </p:childTnLst>
+                          </p:cTn>
+                        </p:par>
+                      </p:childTnLst>
+                    </p:cTn>
+                  </p:par>
+                </p:childTnLst>
+              </p:cTn>
+              <p:prevCondLst>
+                <p:cond evt="onPrev" delay="0">
+                  <p:tgtEl>
+                    <p:sldTgt/>
+                  </p:tgtEl>
+                </p:cond>
+              </p:prevCondLst>
+              <p:nextCondLst>
+                <p:cond evt="onNext" delay="0">
+                  <p:tgtEl>
+                    <p:sldTgt/>
+                  </p:tgtEl>
+                </p:cond>
+              </p:nextCondLst>
+            </p:seq>
+          </p:childTnLst>
+        </p:cTn>
+      </p:par>
+    </p:tnLst>
+    <p:bldLst>
+      <p:bldP spid="4" grpId="0"/>
+    </p:bldLst>
+  </p:timing>
+</p:sld>
+</file>
+
+<file path=ppt/slides/slide8.xml><?xml version="1.0" encoding="utf-8"?>
+<p:sld xmlns:a="http://schemas.openxmlformats.org/drawingml/2006/main" xmlns:r="http://schemas.openxmlformats.org/officeDocument/2006/relationships" xmlns:p="http://schemas.openxmlformats.org/presentationml/2006/main">
+  <p:cSld>
+    <p:spTree>
+      <p:nvGrpSpPr>
+        <p:cNvPr id="1" name=""/>
+        <p:cNvGrpSpPr/>
+        <p:nvPr/>
+      </p:nvGrpSpPr>
+      <p:grpSpPr>
+        <a:xfrm>
+          <a:off x="0" y="0"/>
+          <a:ext cx="0" cy="0"/>
+          <a:chOff x="0" y="0"/>
+          <a:chExt cx="0" cy="0"/>
+        </a:xfrm>
+      </p:grpSpPr>
+      <p:sp>
+        <p:nvSpPr>
+          <p:cNvPr id="2" name="Title 1">
+            <a:extLst>
+              <a:ext uri="{FF2B5EF4-FFF2-40B4-BE49-F238E27FC236}">
                 <a16:creationId xmlns:a16="http://schemas.microsoft.com/office/drawing/2014/main" id="{6DA7C5DD-7EA7-9422-5665-25D6E738A215}"/>
               </a:ext>
             </a:extLst>
@@ -18592,7 +19837,7 @@
 </p:sld>
 </file>
 
-<file path=ppt/slides/slide8.xml><?xml version="1.0" encoding="utf-8"?>
+<file path=ppt/slides/slide9.xml><?xml version="1.0" encoding="utf-8"?>
 <p:sld xmlns:a="http://schemas.openxmlformats.org/drawingml/2006/main" xmlns:r="http://schemas.openxmlformats.org/officeDocument/2006/relationships" xmlns:p="http://schemas.openxmlformats.org/presentationml/2006/main">
   <p:cSld>
     <p:spTree>
@@ -18684,260 +19929,6 @@
     <p:extLst>
       <p:ext uri="{BB962C8B-B14F-4D97-AF65-F5344CB8AC3E}">
         <p14:creationId xmlns:p14="http://schemas.microsoft.com/office/powerpoint/2010/main" val="1244028986"/>
-      </p:ext>
-    </p:extLst>
-  </p:cSld>
-  <p:clrMapOvr>
-    <a:masterClrMapping/>
-  </p:clrMapOvr>
-</p:sld>
-</file>
-
-<file path=ppt/slides/slide9.xml><?xml version="1.0" encoding="utf-8"?>
-<p:sld xmlns:a="http://schemas.openxmlformats.org/drawingml/2006/main" xmlns:r="http://schemas.openxmlformats.org/officeDocument/2006/relationships" xmlns:p="http://schemas.openxmlformats.org/presentationml/2006/main">
-  <p:cSld>
-    <p:spTree>
-      <p:nvGrpSpPr>
-        <p:cNvPr id="1" name=""/>
-        <p:cNvGrpSpPr/>
-        <p:nvPr/>
-      </p:nvGrpSpPr>
-      <p:grpSpPr>
-        <a:xfrm>
-          <a:off x="0" y="0"/>
-          <a:ext cx="0" cy="0"/>
-          <a:chOff x="0" y="0"/>
-          <a:chExt cx="0" cy="0"/>
-        </a:xfrm>
-      </p:grpSpPr>
-      <p:sp>
-        <p:nvSpPr>
-          <p:cNvPr id="2" name="Title 1">
-            <a:extLst>
-              <a:ext uri="{FF2B5EF4-FFF2-40B4-BE49-F238E27FC236}">
-                <a16:creationId xmlns:a16="http://schemas.microsoft.com/office/drawing/2014/main" id="{E00960DB-DF22-9611-C56D-2D4C297512BC}"/>
-              </a:ext>
-            </a:extLst>
-          </p:cNvPr>
-          <p:cNvSpPr>
-            <a:spLocks noGrp="1"/>
-          </p:cNvSpPr>
-          <p:nvPr>
-            <p:ph type="title"/>
-          </p:nvPr>
-        </p:nvSpPr>
-        <p:spPr/>
-        <p:txBody>
-          <a:bodyPr/>
-          <a:lstStyle/>
-          <a:p>
-            <a:r>
-              <a:rPr lang="en-US" sz="3600" dirty="0">
-                <a:solidFill>
-                  <a:srgbClr val="0070C0"/>
-                </a:solidFill>
-                <a:latin typeface="Times New Roman" panose="02020603050405020304" pitchFamily="18" charset="0"/>
-                <a:cs typeface="Times New Roman" panose="02020603050405020304" pitchFamily="18" charset="0"/>
-              </a:rPr>
-              <a:t>R-Squared and Adjusted R-Squared </a:t>
-            </a:r>
-          </a:p>
-        </p:txBody>
-      </p:sp>
-      <p:sp>
-        <p:nvSpPr>
-          <p:cNvPr id="3" name="Content Placeholder 2">
-            <a:extLst>
-              <a:ext uri="{FF2B5EF4-FFF2-40B4-BE49-F238E27FC236}">
-                <a16:creationId xmlns:a16="http://schemas.microsoft.com/office/drawing/2014/main" id="{271F0ACC-614C-9816-4995-A8344E2A8D1E}"/>
-              </a:ext>
-            </a:extLst>
-          </p:cNvPr>
-          <p:cNvSpPr>
-            <a:spLocks noGrp="1"/>
-          </p:cNvSpPr>
-          <p:nvPr>
-            <p:ph idx="1"/>
-          </p:nvPr>
-        </p:nvSpPr>
-        <p:spPr/>
-        <p:txBody>
-          <a:bodyPr/>
-          <a:lstStyle/>
-          <a:p>
-            <a:r>
-              <a:rPr lang="en-US" b="0" i="0" dirty="0">
-                <a:effectLst/>
-                <a:latin typeface="Times New Roman" panose="02020603050405020304" pitchFamily="18" charset="0"/>
-                <a:cs typeface="Times New Roman" panose="02020603050405020304" pitchFamily="18" charset="0"/>
-              </a:rPr>
-              <a:t>Adjusted r-squared, on the other hand, adjusts for the number of predictors in the model. It penalizes excessive complexity by incorporating a correction factor based on the number of predictors and sample size. Consequently, adjusted r-squared is often more reliable for comparing models with different numbers of predictors.</a:t>
-            </a:r>
-            <a:endParaRPr lang="en-US" dirty="0">
-              <a:latin typeface="Times New Roman" panose="02020603050405020304" pitchFamily="18" charset="0"/>
-              <a:cs typeface="Times New Roman" panose="02020603050405020304" pitchFamily="18" charset="0"/>
-            </a:endParaRPr>
-          </a:p>
-        </p:txBody>
-      </p:sp>
-      <p:pic>
-        <p:nvPicPr>
-          <p:cNvPr id="4" name="Picture 3">
-            <a:extLst>
-              <a:ext uri="{FF2B5EF4-FFF2-40B4-BE49-F238E27FC236}">
-                <a16:creationId xmlns:a16="http://schemas.microsoft.com/office/drawing/2014/main" id="{18CF671C-4260-69A5-1796-61CF556BA8AA}"/>
-              </a:ext>
-            </a:extLst>
-          </p:cNvPr>
-          <p:cNvPicPr>
-            <a:picLocks noChangeAspect="1"/>
-          </p:cNvPicPr>
-          <p:nvPr/>
-        </p:nvPicPr>
-        <p:blipFill>
-          <a:blip r:embed="rId2"/>
-          <a:srcRect l="11111" r="44444"/>
-          <a:stretch/>
-        </p:blipFill>
-        <p:spPr>
-          <a:xfrm>
-            <a:off x="1394460" y="4495800"/>
-            <a:ext cx="3048000" cy="1085850"/>
-          </a:xfrm>
-          <a:prstGeom prst="rect">
-            <a:avLst/>
-          </a:prstGeom>
-        </p:spPr>
-      </p:pic>
-      <p:sp>
-        <p:nvSpPr>
-          <p:cNvPr id="5" name="TextBox 4">
-            <a:extLst>
-              <a:ext uri="{FF2B5EF4-FFF2-40B4-BE49-F238E27FC236}">
-                <a16:creationId xmlns:a16="http://schemas.microsoft.com/office/drawing/2014/main" id="{AD9D99E5-E743-114A-1467-9FE2D6968E48}"/>
-              </a:ext>
-            </a:extLst>
-          </p:cNvPr>
-          <p:cNvSpPr txBox="1"/>
-          <p:nvPr/>
-        </p:nvSpPr>
-        <p:spPr>
-          <a:xfrm>
-            <a:off x="5029200" y="4591050"/>
-            <a:ext cx="4848187" cy="1292662"/>
-          </a:xfrm>
-          <a:prstGeom prst="rect">
-            <a:avLst/>
-          </a:prstGeom>
-          <a:noFill/>
-        </p:spPr>
-        <p:txBody>
-          <a:bodyPr wrap="none" rtlCol="0">
-            <a:spAutoFit/>
-          </a:bodyPr>
-          <a:lstStyle/>
-          <a:p>
-            <a:pPr algn="l">
-              <a:lnSpc>
-                <a:spcPts val="2400"/>
-              </a:lnSpc>
-              <a:buFont typeface="Arial" panose="020B0604020202020204" pitchFamily="34" charset="0"/>
-              <a:buChar char="•"/>
-            </a:pPr>
-            <a:r>
-              <a:rPr lang="en-US" b="0" i="1" dirty="0">
-                <a:solidFill>
-                  <a:srgbClr val="242424"/>
-                </a:solidFill>
-                <a:effectLst/>
-                <a:latin typeface="Times New Roman" panose="02020603050405020304" pitchFamily="18" charset="0"/>
-                <a:cs typeface="Times New Roman" panose="02020603050405020304" pitchFamily="18" charset="0"/>
-              </a:rPr>
-              <a:t>n</a:t>
-            </a:r>
-            <a:r>
-              <a:rPr lang="en-US" b="0" i="0" dirty="0">
-                <a:solidFill>
-                  <a:srgbClr val="242424"/>
-                </a:solidFill>
-                <a:effectLst/>
-                <a:latin typeface="Times New Roman" panose="02020603050405020304" pitchFamily="18" charset="0"/>
-                <a:cs typeface="Times New Roman" panose="02020603050405020304" pitchFamily="18" charset="0"/>
-              </a:rPr>
-              <a:t> represents the number of observations</a:t>
-            </a:r>
-          </a:p>
-          <a:p>
-            <a:pPr algn="l">
-              <a:lnSpc>
-                <a:spcPts val="2400"/>
-              </a:lnSpc>
-              <a:buFont typeface="Arial" panose="020B0604020202020204" pitchFamily="34" charset="0"/>
-              <a:buChar char="•"/>
-            </a:pPr>
-            <a:r>
-              <a:rPr lang="en-US" b="0" i="1" dirty="0">
-                <a:solidFill>
-                  <a:srgbClr val="242424"/>
-                </a:solidFill>
-                <a:effectLst/>
-                <a:latin typeface="Times New Roman" panose="02020603050405020304" pitchFamily="18" charset="0"/>
-                <a:cs typeface="Times New Roman" panose="02020603050405020304" pitchFamily="18" charset="0"/>
-              </a:rPr>
-              <a:t>p</a:t>
-            </a:r>
-            <a:r>
-              <a:rPr lang="en-US" b="0" i="0" dirty="0">
-                <a:solidFill>
-                  <a:srgbClr val="242424"/>
-                </a:solidFill>
-                <a:effectLst/>
-                <a:latin typeface="Times New Roman" panose="02020603050405020304" pitchFamily="18" charset="0"/>
-                <a:cs typeface="Times New Roman" panose="02020603050405020304" pitchFamily="18" charset="0"/>
-              </a:rPr>
-              <a:t> signifies the number of predictors in the model</a:t>
-            </a:r>
-          </a:p>
-          <a:p>
-            <a:pPr algn="l">
-              <a:lnSpc>
-                <a:spcPts val="2400"/>
-              </a:lnSpc>
-              <a:buFont typeface="Arial" panose="020B0604020202020204" pitchFamily="34" charset="0"/>
-              <a:buChar char="•"/>
-            </a:pPr>
-            <a:r>
-              <a:rPr lang="en-US" b="0" i="1" dirty="0">
-                <a:solidFill>
-                  <a:srgbClr val="242424"/>
-                </a:solidFill>
-                <a:effectLst/>
-                <a:latin typeface="Times New Roman" panose="02020603050405020304" pitchFamily="18" charset="0"/>
-                <a:cs typeface="Times New Roman" panose="02020603050405020304" pitchFamily="18" charset="0"/>
-              </a:rPr>
-              <a:t>R</a:t>
-            </a:r>
-            <a:r>
-              <a:rPr lang="en-US" b="0" i="0" dirty="0">
-                <a:solidFill>
-                  <a:srgbClr val="242424"/>
-                </a:solidFill>
-                <a:effectLst/>
-                <a:latin typeface="Times New Roman" panose="02020603050405020304" pitchFamily="18" charset="0"/>
-                <a:cs typeface="Times New Roman" panose="02020603050405020304" pitchFamily="18" charset="0"/>
-              </a:rPr>
-              <a:t>2 denotes the ordinary r-squared value</a:t>
-            </a:r>
-          </a:p>
-          <a:p>
-            <a:endParaRPr lang="en-US" dirty="0"/>
-          </a:p>
-        </p:txBody>
-      </p:sp>
-    </p:spTree>
-    <p:extLst>
-      <p:ext uri="{BB962C8B-B14F-4D97-AF65-F5344CB8AC3E}">
-        <p14:creationId xmlns:p14="http://schemas.microsoft.com/office/powerpoint/2010/main" val="1501656931"/>
       </p:ext>
     </p:extLst>
   </p:cSld>
